--- a/HW10_SmithCharts.pptx
+++ b/HW10_SmithCharts.pptx
@@ -5,19 +5,20 @@
     <p:sldMasterId id="2147483684" r:id="rId1"/>
   </p:sldMasterIdLst>
   <p:notesMasterIdLst>
-    <p:notesMasterId r:id="rId12"/>
+    <p:notesMasterId r:id="rId13"/>
   </p:notesMasterIdLst>
   <p:sldIdLst>
     <p:sldId id="256" r:id="rId2"/>
     <p:sldId id="257" r:id="rId3"/>
     <p:sldId id="258" r:id="rId4"/>
-    <p:sldId id="259" r:id="rId5"/>
-    <p:sldId id="260" r:id="rId6"/>
-    <p:sldId id="261" r:id="rId7"/>
-    <p:sldId id="262" r:id="rId8"/>
-    <p:sldId id="263" r:id="rId9"/>
-    <p:sldId id="264" r:id="rId10"/>
-    <p:sldId id="265" r:id="rId11"/>
+    <p:sldId id="266" r:id="rId5"/>
+    <p:sldId id="259" r:id="rId6"/>
+    <p:sldId id="260" r:id="rId7"/>
+    <p:sldId id="267" r:id="rId8"/>
+    <p:sldId id="268" r:id="rId9"/>
+    <p:sldId id="269" r:id="rId10"/>
+    <p:sldId id="271" r:id="rId11"/>
+    <p:sldId id="270" r:id="rId12"/>
   </p:sldIdLst>
   <p:sldSz cx="11658600" cy="15087600"/>
   <p:notesSz cx="6858000" cy="9144000"/>
@@ -717,7 +718,7 @@
           <a:p>
             <a:fld id="{B76B4998-AB0C-6741-857D-3FB3E16289AC}" type="slidenum">
               <a:rPr lang="en-US" smtClean="0"/>
-              <a:t>4</a:t>
+              <a:t>5</a:t>
             </a:fld>
             <a:endParaRPr lang="en-US"/>
           </a:p>
@@ -806,7 +807,7 @@
           <a:p>
             <a:fld id="{B76B4998-AB0C-6741-857D-3FB3E16289AC}" type="slidenum">
               <a:rPr lang="en-US" smtClean="0"/>
-              <a:t>5</a:t>
+              <a:t>6</a:t>
             </a:fld>
             <a:endParaRPr lang="en-US"/>
           </a:p>
@@ -895,7 +896,7 @@
           <a:p>
             <a:fld id="{B76B4998-AB0C-6741-857D-3FB3E16289AC}" type="slidenum">
               <a:rPr lang="en-US" smtClean="0"/>
-              <a:t>6</a:t>
+              <a:t>8</a:t>
             </a:fld>
             <a:endParaRPr lang="en-US"/>
           </a:p>
@@ -904,7 +905,7 @@
     </p:spTree>
     <p:extLst>
       <p:ext uri="{BB962C8B-B14F-4D97-AF65-F5344CB8AC3E}">
-        <p14:creationId xmlns:p14="http://schemas.microsoft.com/office/powerpoint/2010/main" val="1816277316"/>
+        <p14:creationId xmlns:p14="http://schemas.microsoft.com/office/powerpoint/2010/main" val="447239577"/>
       </p:ext>
     </p:extLst>
   </p:cSld>
@@ -984,7 +985,7 @@
           <a:p>
             <a:fld id="{B76B4998-AB0C-6741-857D-3FB3E16289AC}" type="slidenum">
               <a:rPr lang="en-US" smtClean="0"/>
-              <a:t>7</a:t>
+              <a:t>9</a:t>
             </a:fld>
             <a:endParaRPr lang="en-US"/>
           </a:p>
@@ -993,7 +994,7 @@
     </p:spTree>
     <p:extLst>
       <p:ext uri="{BB962C8B-B14F-4D97-AF65-F5344CB8AC3E}">
-        <p14:creationId xmlns:p14="http://schemas.microsoft.com/office/powerpoint/2010/main" val="1184788586"/>
+        <p14:creationId xmlns:p14="http://schemas.microsoft.com/office/powerpoint/2010/main" val="1139340179"/>
       </p:ext>
     </p:extLst>
   </p:cSld>
@@ -1073,7 +1074,7 @@
           <a:p>
             <a:fld id="{B76B4998-AB0C-6741-857D-3FB3E16289AC}" type="slidenum">
               <a:rPr lang="en-US" smtClean="0"/>
-              <a:t>8</a:t>
+              <a:t>10</a:t>
             </a:fld>
             <a:endParaRPr lang="en-US"/>
           </a:p>
@@ -1082,7 +1083,7 @@
     </p:spTree>
     <p:extLst>
       <p:ext uri="{BB962C8B-B14F-4D97-AF65-F5344CB8AC3E}">
-        <p14:creationId xmlns:p14="http://schemas.microsoft.com/office/powerpoint/2010/main" val="580458261"/>
+        <p14:creationId xmlns:p14="http://schemas.microsoft.com/office/powerpoint/2010/main" val="1656621126"/>
       </p:ext>
     </p:extLst>
   </p:cSld>
@@ -1162,7 +1163,7 @@
           <a:p>
             <a:fld id="{B76B4998-AB0C-6741-857D-3FB3E16289AC}" type="slidenum">
               <a:rPr lang="en-US" smtClean="0"/>
-              <a:t>9</a:t>
+              <a:t>11</a:t>
             </a:fld>
             <a:endParaRPr lang="en-US"/>
           </a:p>
@@ -1171,96 +1172,7 @@
     </p:spTree>
     <p:extLst>
       <p:ext uri="{BB962C8B-B14F-4D97-AF65-F5344CB8AC3E}">
-        <p14:creationId xmlns:p14="http://schemas.microsoft.com/office/powerpoint/2010/main" val="1635026824"/>
-      </p:ext>
-    </p:extLst>
-  </p:cSld>
-  <p:clrMapOvr>
-    <a:masterClrMapping/>
-  </p:clrMapOvr>
-</p:notes>
-</file>
-
-<file path=ppt/notesSlides/notesSlide9.xml><?xml version="1.0" encoding="utf-8"?>
-<p:notes xmlns:a="http://schemas.openxmlformats.org/drawingml/2006/main" xmlns:r="http://schemas.openxmlformats.org/officeDocument/2006/relationships" xmlns:p="http://schemas.openxmlformats.org/presentationml/2006/main">
-  <p:cSld>
-    <p:spTree>
-      <p:nvGrpSpPr>
-        <p:cNvPr id="1" name=""/>
-        <p:cNvGrpSpPr/>
-        <p:nvPr/>
-      </p:nvGrpSpPr>
-      <p:grpSpPr>
-        <a:xfrm>
-          <a:off x="0" y="0"/>
-          <a:ext cx="0" cy="0"/>
-          <a:chOff x="0" y="0"/>
-          <a:chExt cx="0" cy="0"/>
-        </a:xfrm>
-      </p:grpSpPr>
-      <p:sp>
-        <p:nvSpPr>
-          <p:cNvPr id="2" name="Slide Image Placeholder 1"/>
-          <p:cNvSpPr>
-            <a:spLocks noGrp="1" noRot="1" noChangeAspect="1"/>
-          </p:cNvSpPr>
-          <p:nvPr>
-            <p:ph type="sldImg"/>
-          </p:nvPr>
-        </p:nvSpPr>
-        <p:spPr>
-          <a:xfrm>
-            <a:off x="2236788" y="1143000"/>
-            <a:ext cx="2384425" cy="3086100"/>
-          </a:xfrm>
-        </p:spPr>
-      </p:sp>
-      <p:sp>
-        <p:nvSpPr>
-          <p:cNvPr id="3" name="Notes Placeholder 2"/>
-          <p:cNvSpPr>
-            <a:spLocks noGrp="1"/>
-          </p:cNvSpPr>
-          <p:nvPr>
-            <p:ph type="body" idx="1"/>
-          </p:nvPr>
-        </p:nvSpPr>
-        <p:spPr/>
-        <p:txBody>
-          <a:bodyPr/>
-          <a:lstStyle/>
-          <a:p>
-            <a:endParaRPr lang="en-US" dirty="0"/>
-          </a:p>
-        </p:txBody>
-      </p:sp>
-      <p:sp>
-        <p:nvSpPr>
-          <p:cNvPr id="4" name="Slide Number Placeholder 3"/>
-          <p:cNvSpPr>
-            <a:spLocks noGrp="1"/>
-          </p:cNvSpPr>
-          <p:nvPr>
-            <p:ph type="sldNum" sz="quarter" idx="10"/>
-          </p:nvPr>
-        </p:nvSpPr>
-        <p:spPr/>
-        <p:txBody>
-          <a:bodyPr/>
-          <a:lstStyle/>
-          <a:p>
-            <a:fld id="{B76B4998-AB0C-6741-857D-3FB3E16289AC}" type="slidenum">
-              <a:rPr lang="en-US" smtClean="0"/>
-              <a:t>10</a:t>
-            </a:fld>
-            <a:endParaRPr lang="en-US"/>
-          </a:p>
-        </p:txBody>
-      </p:sp>
-    </p:spTree>
-    <p:extLst>
-      <p:ext uri="{BB962C8B-B14F-4D97-AF65-F5344CB8AC3E}">
-        <p14:creationId xmlns:p14="http://schemas.microsoft.com/office/powerpoint/2010/main" val="313622562"/>
+        <p14:creationId xmlns:p14="http://schemas.microsoft.com/office/powerpoint/2010/main" val="838173560"/>
       </p:ext>
     </p:extLst>
   </p:cSld>
@@ -4089,6 +4001,10 @@
           <a:bodyPr/>
           <a:lstStyle/>
           <a:p>
+            <a:r>
+              <a:rPr lang="en-US" dirty="0" smtClean="0"/>
+              <a:t>HW 10.1.2</a:t>
+            </a:r>
             <a:endParaRPr lang="en-US" dirty="0"/>
           </a:p>
         </p:txBody>
@@ -4172,10 +4088,370 @@
           </a:prstGeom>
         </p:spPr>
       </p:pic>
+      <p:sp>
+        <p:nvSpPr>
+          <p:cNvPr id="19" name="TextBox 18"/>
+          <p:cNvSpPr txBox="1"/>
+          <p:nvPr/>
+        </p:nvSpPr>
+        <p:spPr>
+          <a:xfrm>
+            <a:off x="381038" y="728869"/>
+            <a:ext cx="2588914" cy="1506374"/>
+          </a:xfrm>
+          <a:prstGeom prst="rect">
+            <a:avLst/>
+          </a:prstGeom>
+          <a:noFill/>
+        </p:spPr>
+        <p:txBody>
+          <a:bodyPr wrap="none" rtlCol="0">
+            <a:spAutoFit/>
+          </a:bodyPr>
+          <a:lstStyle/>
+          <a:p>
+            <a:r>
+              <a:rPr lang="en-US" dirty="0" smtClean="0"/>
+              <a:t>Red: r = 0.6667</a:t>
+            </a:r>
+          </a:p>
+          <a:p>
+            <a:r>
+              <a:rPr lang="en-US" dirty="0" smtClean="0"/>
+              <a:t>         x = 0</a:t>
+            </a:r>
+          </a:p>
+          <a:p>
+            <a:r>
+              <a:rPr lang="en-US" dirty="0" smtClean="0"/>
+              <a:t>Blue = -0.2</a:t>
+            </a:r>
+            <a:endParaRPr lang="en-US" dirty="0"/>
+          </a:p>
+        </p:txBody>
+      </p:sp>
+      <p:cxnSp>
+        <p:nvCxnSpPr>
+          <p:cNvPr id="15" name="Straight Arrow Connector 14"/>
+          <p:cNvCxnSpPr/>
+          <p:nvPr/>
+        </p:nvCxnSpPr>
+        <p:spPr>
+          <a:xfrm flipH="1" flipV="1">
+            <a:off x="4281714" y="6206889"/>
+            <a:ext cx="1545336" cy="786384"/>
+          </a:xfrm>
+          <a:prstGeom prst="straightConnector1">
+            <a:avLst/>
+          </a:prstGeom>
+          <a:ln w="101600">
+            <a:solidFill>
+              <a:srgbClr val="000AFF"/>
+            </a:solidFill>
+            <a:tailEnd type="triangle"/>
+          </a:ln>
+        </p:spPr>
+        <p:style>
+          <a:lnRef idx="1">
+            <a:schemeClr val="accent1"/>
+          </a:lnRef>
+          <a:fillRef idx="0">
+            <a:schemeClr val="accent1"/>
+          </a:fillRef>
+          <a:effectRef idx="0">
+            <a:schemeClr val="accent1"/>
+          </a:effectRef>
+          <a:fontRef idx="minor">
+            <a:schemeClr val="tx1"/>
+          </a:fontRef>
+        </p:style>
+      </p:cxnSp>
+      <p:cxnSp>
+        <p:nvCxnSpPr>
+          <p:cNvPr id="16" name="Straight Arrow Connector 15"/>
+          <p:cNvCxnSpPr/>
+          <p:nvPr/>
+        </p:nvCxnSpPr>
+        <p:spPr>
+          <a:xfrm flipH="1" flipV="1">
+            <a:off x="4281714" y="6206889"/>
+            <a:ext cx="5998464" cy="786384"/>
+          </a:xfrm>
+          <a:prstGeom prst="straightConnector1">
+            <a:avLst/>
+          </a:prstGeom>
+          <a:ln w="101600">
+            <a:solidFill>
+              <a:srgbClr val="FF0000"/>
+            </a:solidFill>
+            <a:tailEnd type="triangle"/>
+          </a:ln>
+        </p:spPr>
+        <p:style>
+          <a:lnRef idx="1">
+            <a:schemeClr val="accent1"/>
+          </a:lnRef>
+          <a:fillRef idx="0">
+            <a:schemeClr val="accent1"/>
+          </a:fillRef>
+          <a:effectRef idx="0">
+            <a:schemeClr val="accent1"/>
+          </a:effectRef>
+          <a:fontRef idx="minor">
+            <a:schemeClr val="tx1"/>
+          </a:fontRef>
+        </p:style>
+      </p:cxnSp>
+      <p:cxnSp>
+        <p:nvCxnSpPr>
+          <p:cNvPr id="20" name="Straight Arrow Connector 19"/>
+          <p:cNvCxnSpPr/>
+          <p:nvPr/>
+        </p:nvCxnSpPr>
+        <p:spPr>
+          <a:xfrm rot="-1620000" flipH="1" flipV="1">
+            <a:off x="1470073" y="13458314"/>
+            <a:ext cx="1545336" cy="786384"/>
+          </a:xfrm>
+          <a:prstGeom prst="straightConnector1">
+            <a:avLst/>
+          </a:prstGeom>
+          <a:ln w="101600">
+            <a:solidFill>
+              <a:srgbClr val="000AFF"/>
+            </a:solidFill>
+            <a:tailEnd type="triangle"/>
+          </a:ln>
+        </p:spPr>
+        <p:style>
+          <a:lnRef idx="1">
+            <a:schemeClr val="accent1"/>
+          </a:lnRef>
+          <a:fillRef idx="0">
+            <a:schemeClr val="accent1"/>
+          </a:fillRef>
+          <a:effectRef idx="0">
+            <a:schemeClr val="accent1"/>
+          </a:effectRef>
+          <a:fontRef idx="minor">
+            <a:schemeClr val="tx1"/>
+          </a:fontRef>
+        </p:style>
+      </p:cxnSp>
     </p:spTree>
     <p:extLst>
       <p:ext uri="{BB962C8B-B14F-4D97-AF65-F5344CB8AC3E}">
-        <p14:creationId xmlns:p14="http://schemas.microsoft.com/office/powerpoint/2010/main" val="2112492459"/>
+        <p14:creationId xmlns:p14="http://schemas.microsoft.com/office/powerpoint/2010/main" val="1325745193"/>
+      </p:ext>
+    </p:extLst>
+  </p:cSld>
+  <p:clrMapOvr>
+    <a:masterClrMapping/>
+  </p:clrMapOvr>
+</p:sld>
+</file>
+
+<file path=ppt/slides/slide11.xml><?xml version="1.0" encoding="utf-8"?>
+<p:sld xmlns:a="http://schemas.openxmlformats.org/drawingml/2006/main" xmlns:r="http://schemas.openxmlformats.org/officeDocument/2006/relationships" xmlns:p="http://schemas.openxmlformats.org/presentationml/2006/main">
+  <p:cSld>
+    <p:spTree>
+      <p:nvGrpSpPr>
+        <p:cNvPr id="1" name=""/>
+        <p:cNvGrpSpPr/>
+        <p:nvPr/>
+      </p:nvGrpSpPr>
+      <p:grpSpPr>
+        <a:xfrm>
+          <a:off x="0" y="0"/>
+          <a:ext cx="0" cy="0"/>
+          <a:chOff x="0" y="0"/>
+          <a:chExt cx="0" cy="0"/>
+        </a:xfrm>
+      </p:grpSpPr>
+      <p:pic>
+        <p:nvPicPr>
+          <p:cNvPr id="5" name="Picture 4"/>
+          <p:cNvPicPr>
+            <a:picLocks noChangeAspect="1"/>
+          </p:cNvPicPr>
+          <p:nvPr/>
+        </p:nvPicPr>
+        <p:blipFill>
+          <a:blip r:embed="rId3">
+            <a:extLst>
+              <a:ext uri="{28A0092B-C50C-407E-A947-70E740481C1C}">
+                <a14:useLocalDpi xmlns:a14="http://schemas.microsoft.com/office/drawing/2010/main" val="0"/>
+              </a:ext>
+            </a:extLst>
+          </a:blip>
+          <a:stretch>
+            <a:fillRect/>
+          </a:stretch>
+        </p:blipFill>
+        <p:spPr>
+          <a:xfrm>
+            <a:off x="0" y="0"/>
+            <a:ext cx="11658600" cy="15087600"/>
+          </a:xfrm>
+          <a:prstGeom prst="rect">
+            <a:avLst/>
+          </a:prstGeom>
+        </p:spPr>
+      </p:pic>
+      <p:sp>
+        <p:nvSpPr>
+          <p:cNvPr id="19" name="TextBox 18"/>
+          <p:cNvSpPr txBox="1"/>
+          <p:nvPr/>
+        </p:nvSpPr>
+        <p:spPr>
+          <a:xfrm>
+            <a:off x="381038" y="728869"/>
+            <a:ext cx="2588914" cy="1506374"/>
+          </a:xfrm>
+          <a:prstGeom prst="rect">
+            <a:avLst/>
+          </a:prstGeom>
+          <a:noFill/>
+        </p:spPr>
+        <p:txBody>
+          <a:bodyPr wrap="none" rtlCol="0">
+            <a:spAutoFit/>
+          </a:bodyPr>
+          <a:lstStyle/>
+          <a:p>
+            <a:r>
+              <a:rPr lang="en-US" dirty="0" smtClean="0"/>
+              <a:t>Red: r = 0.6667</a:t>
+            </a:r>
+          </a:p>
+          <a:p>
+            <a:r>
+              <a:rPr lang="en-US" dirty="0" smtClean="0"/>
+              <a:t>         x = 0</a:t>
+            </a:r>
+          </a:p>
+          <a:p>
+            <a:r>
+              <a:rPr lang="en-US" dirty="0" smtClean="0"/>
+              <a:t>Blue = -0.2</a:t>
+            </a:r>
+            <a:endParaRPr lang="en-US" dirty="0"/>
+          </a:p>
+        </p:txBody>
+      </p:sp>
+      <p:cxnSp>
+        <p:nvCxnSpPr>
+          <p:cNvPr id="15" name="Straight Arrow Connector 14"/>
+          <p:cNvCxnSpPr/>
+          <p:nvPr/>
+        </p:nvCxnSpPr>
+        <p:spPr>
+          <a:xfrm rot="10800000" flipH="1" flipV="1">
+            <a:off x="5829300" y="6993273"/>
+            <a:ext cx="1545336" cy="786384"/>
+          </a:xfrm>
+          <a:prstGeom prst="straightConnector1">
+            <a:avLst/>
+          </a:prstGeom>
+          <a:ln w="101600">
+            <a:solidFill>
+              <a:srgbClr val="000AFF"/>
+            </a:solidFill>
+            <a:tailEnd type="triangle"/>
+          </a:ln>
+        </p:spPr>
+        <p:style>
+          <a:lnRef idx="1">
+            <a:schemeClr val="accent1"/>
+          </a:lnRef>
+          <a:fillRef idx="0">
+            <a:schemeClr val="accent1"/>
+          </a:fillRef>
+          <a:effectRef idx="0">
+            <a:schemeClr val="accent1"/>
+          </a:effectRef>
+          <a:fontRef idx="minor">
+            <a:schemeClr val="tx1"/>
+          </a:fontRef>
+        </p:style>
+      </p:cxnSp>
+      <p:cxnSp>
+        <p:nvCxnSpPr>
+          <p:cNvPr id="16" name="Straight Arrow Connector 15"/>
+          <p:cNvCxnSpPr/>
+          <p:nvPr/>
+        </p:nvCxnSpPr>
+        <p:spPr>
+          <a:xfrm flipH="1">
+            <a:off x="7374636" y="6993273"/>
+            <a:ext cx="2905542" cy="786385"/>
+          </a:xfrm>
+          <a:prstGeom prst="straightConnector1">
+            <a:avLst/>
+          </a:prstGeom>
+          <a:ln w="101600">
+            <a:solidFill>
+              <a:srgbClr val="FF0000"/>
+            </a:solidFill>
+            <a:tailEnd type="triangle"/>
+          </a:ln>
+        </p:spPr>
+        <p:style>
+          <a:lnRef idx="1">
+            <a:schemeClr val="accent1"/>
+          </a:lnRef>
+          <a:fillRef idx="0">
+            <a:schemeClr val="accent1"/>
+          </a:fillRef>
+          <a:effectRef idx="0">
+            <a:schemeClr val="accent1"/>
+          </a:effectRef>
+          <a:fontRef idx="minor">
+            <a:schemeClr val="tx1"/>
+          </a:fontRef>
+        </p:style>
+      </p:cxnSp>
+      <p:cxnSp>
+        <p:nvCxnSpPr>
+          <p:cNvPr id="20" name="Straight Arrow Connector 19"/>
+          <p:cNvCxnSpPr/>
+          <p:nvPr/>
+        </p:nvCxnSpPr>
+        <p:spPr>
+          <a:xfrm rot="-1620000" flipH="1" flipV="1">
+            <a:off x="1470073" y="13458314"/>
+            <a:ext cx="1545336" cy="786384"/>
+          </a:xfrm>
+          <a:prstGeom prst="straightConnector1">
+            <a:avLst/>
+          </a:prstGeom>
+          <a:ln w="101600">
+            <a:solidFill>
+              <a:srgbClr val="000AFF"/>
+            </a:solidFill>
+            <a:tailEnd type="triangle"/>
+          </a:ln>
+        </p:spPr>
+        <p:style>
+          <a:lnRef idx="1">
+            <a:schemeClr val="accent1"/>
+          </a:lnRef>
+          <a:fillRef idx="0">
+            <a:schemeClr val="accent1"/>
+          </a:fillRef>
+          <a:effectRef idx="0">
+            <a:schemeClr val="accent1"/>
+          </a:effectRef>
+          <a:fontRef idx="minor">
+            <a:schemeClr val="tx1"/>
+          </a:fontRef>
+        </p:style>
+      </p:cxnSp>
+    </p:spTree>
+    <p:extLst>
+      <p:ext uri="{BB962C8B-B14F-4D97-AF65-F5344CB8AC3E}">
+        <p14:creationId xmlns:p14="http://schemas.microsoft.com/office/powerpoint/2010/main" val="195031726"/>
       </p:ext>
     </p:extLst>
   </p:cSld>
@@ -4340,6 +4616,48 @@
           </a:fontRef>
         </p:style>
       </p:cxnSp>
+      <p:sp>
+        <p:nvSpPr>
+          <p:cNvPr id="19" name="TextBox 18"/>
+          <p:cNvSpPr txBox="1"/>
+          <p:nvPr/>
+        </p:nvSpPr>
+        <p:spPr>
+          <a:xfrm>
+            <a:off x="381038" y="728869"/>
+            <a:ext cx="2588914" cy="1506374"/>
+          </a:xfrm>
+          <a:prstGeom prst="rect">
+            <a:avLst/>
+          </a:prstGeom>
+          <a:noFill/>
+        </p:spPr>
+        <p:txBody>
+          <a:bodyPr wrap="none" rtlCol="0">
+            <a:spAutoFit/>
+          </a:bodyPr>
+          <a:lstStyle/>
+          <a:p>
+            <a:r>
+              <a:rPr lang="en-US" dirty="0" smtClean="0"/>
+              <a:t>Red: r = 0.6667</a:t>
+            </a:r>
+          </a:p>
+          <a:p>
+            <a:r>
+              <a:rPr lang="en-US" dirty="0" smtClean="0"/>
+              <a:t>         x = 0</a:t>
+            </a:r>
+          </a:p>
+          <a:p>
+            <a:r>
+              <a:rPr lang="en-US" dirty="0" smtClean="0"/>
+              <a:t>Blue = -0.2</a:t>
+            </a:r>
+            <a:endParaRPr lang="en-US" dirty="0"/>
+          </a:p>
+        </p:txBody>
+      </p:sp>
     </p:spTree>
     <p:extLst>
       <p:ext uri="{BB962C8B-B14F-4D97-AF65-F5344CB8AC3E}">
@@ -4402,42 +4720,6 @@
       </p:pic>
       <p:cxnSp>
         <p:nvCxnSpPr>
-          <p:cNvPr id="3" name="Straight Arrow Connector 2"/>
-          <p:cNvCxnSpPr/>
-          <p:nvPr/>
-        </p:nvCxnSpPr>
-        <p:spPr>
-          <a:xfrm flipH="1">
-            <a:off x="4940243" y="6994876"/>
-            <a:ext cx="889970" cy="0"/>
-          </a:xfrm>
-          <a:prstGeom prst="straightConnector1">
-            <a:avLst/>
-          </a:prstGeom>
-          <a:ln w="101600">
-            <a:solidFill>
-              <a:srgbClr val="FF0000"/>
-            </a:solidFill>
-            <a:tailEnd type="triangle"/>
-          </a:ln>
-        </p:spPr>
-        <p:style>
-          <a:lnRef idx="1">
-            <a:schemeClr val="accent1"/>
-          </a:lnRef>
-          <a:fillRef idx="0">
-            <a:schemeClr val="accent1"/>
-          </a:fillRef>
-          <a:effectRef idx="0">
-            <a:schemeClr val="accent1"/>
-          </a:effectRef>
-          <a:fontRef idx="minor">
-            <a:schemeClr val="tx1"/>
-          </a:fontRef>
-        </p:style>
-      </p:cxnSp>
-      <p:cxnSp>
-        <p:nvCxnSpPr>
           <p:cNvPr id="4" name="Straight Arrow Connector 3"/>
           <p:cNvCxnSpPr/>
           <p:nvPr/>
@@ -4488,7 +4770,7 @@
           </a:prstGeom>
           <a:ln w="101600">
             <a:solidFill>
-              <a:srgbClr val="00B050"/>
+              <a:srgbClr val="FF0000"/>
             </a:solidFill>
             <a:tailEnd type="triangle"/>
           </a:ln>
@@ -4508,6 +4790,48 @@
           </a:fontRef>
         </p:style>
       </p:cxnSp>
+      <p:sp>
+        <p:nvSpPr>
+          <p:cNvPr id="7" name="TextBox 6"/>
+          <p:cNvSpPr txBox="1"/>
+          <p:nvPr/>
+        </p:nvSpPr>
+        <p:spPr>
+          <a:xfrm>
+            <a:off x="381038" y="848138"/>
+            <a:ext cx="1992597" cy="1506374"/>
+          </a:xfrm>
+          <a:prstGeom prst="rect">
+            <a:avLst/>
+          </a:prstGeom>
+          <a:noFill/>
+        </p:spPr>
+        <p:txBody>
+          <a:bodyPr wrap="none" rtlCol="0">
+            <a:spAutoFit/>
+          </a:bodyPr>
+          <a:lstStyle/>
+          <a:p>
+            <a:r>
+              <a:rPr lang="en-US" dirty="0" smtClean="0"/>
+              <a:t>Red: r = 1.5</a:t>
+            </a:r>
+          </a:p>
+          <a:p>
+            <a:r>
+              <a:rPr lang="en-US" dirty="0" smtClean="0"/>
+              <a:t>         x = 0</a:t>
+            </a:r>
+          </a:p>
+          <a:p>
+            <a:r>
+              <a:rPr lang="en-US" dirty="0" smtClean="0"/>
+              <a:t>Blue = 0.2</a:t>
+            </a:r>
+            <a:endParaRPr lang="en-US" dirty="0"/>
+          </a:p>
+        </p:txBody>
+      </p:sp>
     </p:spTree>
     <p:extLst>
       <p:ext uri="{BB962C8B-B14F-4D97-AF65-F5344CB8AC3E}">
@@ -4538,40 +4862,52 @@
           <a:chExt cx="0" cy="0"/>
         </a:xfrm>
       </p:grpSpPr>
-      <p:pic>
-        <p:nvPicPr>
-          <p:cNvPr id="5" name="Picture 4"/>
-          <p:cNvPicPr>
-            <a:picLocks noChangeAspect="1"/>
-          </p:cNvPicPr>
-          <p:nvPr/>
-        </p:nvPicPr>
-        <p:blipFill>
-          <a:blip r:embed="rId3">
-            <a:extLst>
-              <a:ext uri="{28A0092B-C50C-407E-A947-70E740481C1C}">
-                <a14:useLocalDpi xmlns:a14="http://schemas.microsoft.com/office/drawing/2010/main" val="0"/>
-              </a:ext>
-            </a:extLst>
-          </a:blip>
-          <a:stretch>
-            <a:fillRect/>
-          </a:stretch>
-        </p:blipFill>
-        <p:spPr>
-          <a:xfrm>
-            <a:off x="0" y="0"/>
-            <a:ext cx="11658600" cy="15087600"/>
-          </a:xfrm>
-          <a:prstGeom prst="rect">
-            <a:avLst/>
-          </a:prstGeom>
-        </p:spPr>
-      </p:pic>
+      <p:sp>
+        <p:nvSpPr>
+          <p:cNvPr id="2" name="Title 1"/>
+          <p:cNvSpPr>
+            <a:spLocks noGrp="1"/>
+          </p:cNvSpPr>
+          <p:nvPr>
+            <p:ph type="ctrTitle"/>
+          </p:nvPr>
+        </p:nvSpPr>
+        <p:spPr/>
+        <p:txBody>
+          <a:bodyPr/>
+          <a:lstStyle/>
+          <a:p>
+            <a:r>
+              <a:rPr lang="en-US" dirty="0" smtClean="0"/>
+              <a:t>HW 10.2.2</a:t>
+            </a:r>
+            <a:endParaRPr lang="en-US" dirty="0"/>
+          </a:p>
+        </p:txBody>
+      </p:sp>
+      <p:sp>
+        <p:nvSpPr>
+          <p:cNvPr id="3" name="Subtitle 2"/>
+          <p:cNvSpPr>
+            <a:spLocks noGrp="1"/>
+          </p:cNvSpPr>
+          <p:nvPr>
+            <p:ph type="subTitle" idx="1"/>
+          </p:nvPr>
+        </p:nvSpPr>
+        <p:spPr/>
+        <p:txBody>
+          <a:bodyPr/>
+          <a:lstStyle/>
+          <a:p>
+            <a:endParaRPr lang="en-US"/>
+          </a:p>
+        </p:txBody>
+      </p:sp>
     </p:spTree>
     <p:extLst>
       <p:ext uri="{BB962C8B-B14F-4D97-AF65-F5344CB8AC3E}">
-        <p14:creationId xmlns:p14="http://schemas.microsoft.com/office/powerpoint/2010/main" val="1634021467"/>
+        <p14:creationId xmlns:p14="http://schemas.microsoft.com/office/powerpoint/2010/main" val="1568333873"/>
       </p:ext>
     </p:extLst>
   </p:cSld>
@@ -4628,10 +4964,160 @@
           </a:prstGeom>
         </p:spPr>
       </p:pic>
+      <p:cxnSp>
+        <p:nvCxnSpPr>
+          <p:cNvPr id="3" name="Straight Arrow Connector 2"/>
+          <p:cNvCxnSpPr/>
+          <p:nvPr/>
+        </p:nvCxnSpPr>
+        <p:spPr>
+          <a:xfrm flipH="1" flipV="1">
+            <a:off x="4346713" y="6990522"/>
+            <a:ext cx="5935118" cy="4354"/>
+          </a:xfrm>
+          <a:prstGeom prst="straightConnector1">
+            <a:avLst/>
+          </a:prstGeom>
+          <a:ln w="101600">
+            <a:solidFill>
+              <a:srgbClr val="FF0000"/>
+            </a:solidFill>
+            <a:tailEnd type="triangle"/>
+          </a:ln>
+        </p:spPr>
+        <p:style>
+          <a:lnRef idx="1">
+            <a:schemeClr val="accent1"/>
+          </a:lnRef>
+          <a:fillRef idx="0">
+            <a:schemeClr val="accent1"/>
+          </a:fillRef>
+          <a:effectRef idx="0">
+            <a:schemeClr val="accent1"/>
+          </a:effectRef>
+          <a:fontRef idx="minor">
+            <a:schemeClr val="tx1"/>
+          </a:fontRef>
+        </p:style>
+      </p:cxnSp>
+      <p:cxnSp>
+        <p:nvCxnSpPr>
+          <p:cNvPr id="4" name="Straight Arrow Connector 3"/>
+          <p:cNvCxnSpPr/>
+          <p:nvPr/>
+        </p:nvCxnSpPr>
+        <p:spPr>
+          <a:xfrm flipH="1">
+            <a:off x="4346713" y="6990522"/>
+            <a:ext cx="1483500" cy="0"/>
+          </a:xfrm>
+          <a:prstGeom prst="straightConnector1">
+            <a:avLst/>
+          </a:prstGeom>
+          <a:ln w="101600">
+            <a:solidFill>
+              <a:srgbClr val="000AFF"/>
+            </a:solidFill>
+            <a:tailEnd type="triangle"/>
+          </a:ln>
+        </p:spPr>
+        <p:style>
+          <a:lnRef idx="1">
+            <a:schemeClr val="accent1"/>
+          </a:lnRef>
+          <a:fillRef idx="0">
+            <a:schemeClr val="accent1"/>
+          </a:fillRef>
+          <a:effectRef idx="0">
+            <a:schemeClr val="accent1"/>
+          </a:effectRef>
+          <a:fontRef idx="minor">
+            <a:schemeClr val="tx1"/>
+          </a:fontRef>
+        </p:style>
+      </p:cxnSp>
+      <p:cxnSp>
+        <p:nvCxnSpPr>
+          <p:cNvPr id="8" name="Straight Arrow Connector 7"/>
+          <p:cNvCxnSpPr/>
+          <p:nvPr/>
+        </p:nvCxnSpPr>
+        <p:spPr>
+          <a:xfrm flipH="1">
+            <a:off x="1371735" y="13853211"/>
+            <a:ext cx="1483500" cy="0"/>
+          </a:xfrm>
+          <a:prstGeom prst="straightConnector1">
+            <a:avLst/>
+          </a:prstGeom>
+          <a:ln w="101600">
+            <a:solidFill>
+              <a:srgbClr val="000AFF"/>
+            </a:solidFill>
+            <a:tailEnd type="triangle"/>
+          </a:ln>
+        </p:spPr>
+        <p:style>
+          <a:lnRef idx="1">
+            <a:schemeClr val="accent1"/>
+          </a:lnRef>
+          <a:fillRef idx="0">
+            <a:schemeClr val="accent1"/>
+          </a:fillRef>
+          <a:effectRef idx="0">
+            <a:schemeClr val="accent1"/>
+          </a:effectRef>
+          <a:fontRef idx="minor">
+            <a:schemeClr val="tx1"/>
+          </a:fontRef>
+        </p:style>
+      </p:cxnSp>
+      <p:sp>
+        <p:nvSpPr>
+          <p:cNvPr id="9" name="TextBox 8"/>
+          <p:cNvSpPr txBox="1"/>
+          <p:nvPr/>
+        </p:nvSpPr>
+        <p:spPr>
+          <a:xfrm>
+            <a:off x="381038" y="728869"/>
+            <a:ext cx="2475358" cy="1506374"/>
+          </a:xfrm>
+          <a:prstGeom prst="rect">
+            <a:avLst/>
+          </a:prstGeom>
+          <a:noFill/>
+        </p:spPr>
+        <p:txBody>
+          <a:bodyPr wrap="none" rtlCol="0">
+            <a:spAutoFit/>
+          </a:bodyPr>
+          <a:lstStyle/>
+          <a:p>
+            <a:r>
+              <a:rPr lang="en-US" dirty="0" smtClean="0"/>
+              <a:t>Red: r = 0.5</a:t>
+            </a:r>
+          </a:p>
+          <a:p>
+            <a:r>
+              <a:rPr lang="en-US" dirty="0" smtClean="0"/>
+              <a:t>         x = 0</a:t>
+            </a:r>
+          </a:p>
+          <a:p>
+            <a:r>
+              <a:rPr lang="en-US" dirty="0" smtClean="0"/>
+              <a:t>Blue = -0.3333</a:t>
+            </a:r>
+            <a:endParaRPr lang="en-US" dirty="0"/>
+          </a:p>
+        </p:txBody>
+      </p:sp>
     </p:spTree>
     <p:extLst>
       <p:ext uri="{BB962C8B-B14F-4D97-AF65-F5344CB8AC3E}">
-        <p14:creationId xmlns:p14="http://schemas.microsoft.com/office/powerpoint/2010/main" val="1176030140"/>
+        <p14:creationId xmlns:p14="http://schemas.microsoft.com/office/powerpoint/2010/main" val="1634021467"/>
       </p:ext>
     </p:extLst>
   </p:cSld>
@@ -4688,10 +5174,124 @@
           </a:prstGeom>
         </p:spPr>
       </p:pic>
+      <p:cxnSp>
+        <p:nvCxnSpPr>
+          <p:cNvPr id="3" name="Straight Arrow Connector 2"/>
+          <p:cNvCxnSpPr/>
+          <p:nvPr/>
+        </p:nvCxnSpPr>
+        <p:spPr>
+          <a:xfrm flipH="1">
+            <a:off x="7305242" y="6994876"/>
+            <a:ext cx="2976590" cy="0"/>
+          </a:xfrm>
+          <a:prstGeom prst="straightConnector1">
+            <a:avLst/>
+          </a:prstGeom>
+          <a:ln w="101600">
+            <a:solidFill>
+              <a:srgbClr val="FF0000"/>
+            </a:solidFill>
+            <a:tailEnd type="triangle"/>
+          </a:ln>
+        </p:spPr>
+        <p:style>
+          <a:lnRef idx="1">
+            <a:schemeClr val="accent1"/>
+          </a:lnRef>
+          <a:fillRef idx="0">
+            <a:schemeClr val="accent1"/>
+          </a:fillRef>
+          <a:effectRef idx="0">
+            <a:schemeClr val="accent1"/>
+          </a:effectRef>
+          <a:fontRef idx="minor">
+            <a:schemeClr val="tx1"/>
+          </a:fontRef>
+        </p:style>
+      </p:cxnSp>
+      <p:cxnSp>
+        <p:nvCxnSpPr>
+          <p:cNvPr id="4" name="Straight Arrow Connector 3"/>
+          <p:cNvCxnSpPr/>
+          <p:nvPr/>
+        </p:nvCxnSpPr>
+        <p:spPr>
+          <a:xfrm rot="10800000" flipH="1">
+            <a:off x="5821742" y="6991541"/>
+            <a:ext cx="1483500" cy="0"/>
+          </a:xfrm>
+          <a:prstGeom prst="straightConnector1">
+            <a:avLst/>
+          </a:prstGeom>
+          <a:ln w="101600">
+            <a:solidFill>
+              <a:srgbClr val="000AFF"/>
+            </a:solidFill>
+            <a:tailEnd type="triangle"/>
+          </a:ln>
+        </p:spPr>
+        <p:style>
+          <a:lnRef idx="1">
+            <a:schemeClr val="accent1"/>
+          </a:lnRef>
+          <a:fillRef idx="0">
+            <a:schemeClr val="accent1"/>
+          </a:fillRef>
+          <a:effectRef idx="0">
+            <a:schemeClr val="accent1"/>
+          </a:effectRef>
+          <a:fontRef idx="minor">
+            <a:schemeClr val="tx1"/>
+          </a:fontRef>
+        </p:style>
+      </p:cxnSp>
+      <p:sp>
+        <p:nvSpPr>
+          <p:cNvPr id="7" name="TextBox 6"/>
+          <p:cNvSpPr txBox="1"/>
+          <p:nvPr/>
+        </p:nvSpPr>
+        <p:spPr>
+          <a:xfrm>
+            <a:off x="381038" y="848138"/>
+            <a:ext cx="2355132" cy="1506374"/>
+          </a:xfrm>
+          <a:prstGeom prst="rect">
+            <a:avLst/>
+          </a:prstGeom>
+          <a:noFill/>
+        </p:spPr>
+        <p:txBody>
+          <a:bodyPr wrap="none" rtlCol="0">
+            <a:spAutoFit/>
+          </a:bodyPr>
+          <a:lstStyle/>
+          <a:p>
+            <a:r>
+              <a:rPr lang="en-US" dirty="0" smtClean="0"/>
+              <a:t>Red: r = 2</a:t>
+            </a:r>
+          </a:p>
+          <a:p>
+            <a:r>
+              <a:rPr lang="en-US" dirty="0" smtClean="0"/>
+              <a:t>         x = 0</a:t>
+            </a:r>
+          </a:p>
+          <a:p>
+            <a:r>
+              <a:rPr lang="en-US" dirty="0" smtClean="0"/>
+              <a:t>Blue = 0.3333</a:t>
+            </a:r>
+            <a:endParaRPr lang="en-US" dirty="0"/>
+          </a:p>
+        </p:txBody>
+      </p:sp>
     </p:spTree>
     <p:extLst>
       <p:ext uri="{BB962C8B-B14F-4D97-AF65-F5344CB8AC3E}">
-        <p14:creationId xmlns:p14="http://schemas.microsoft.com/office/powerpoint/2010/main" val="870371119"/>
+        <p14:creationId xmlns:p14="http://schemas.microsoft.com/office/powerpoint/2010/main" val="1176030140"/>
       </p:ext>
     </p:extLst>
   </p:cSld>
@@ -4718,40 +5318,52 @@
           <a:chExt cx="0" cy="0"/>
         </a:xfrm>
       </p:grpSpPr>
-      <p:pic>
-        <p:nvPicPr>
-          <p:cNvPr id="5" name="Picture 4"/>
-          <p:cNvPicPr>
-            <a:picLocks noChangeAspect="1"/>
-          </p:cNvPicPr>
-          <p:nvPr/>
-        </p:nvPicPr>
-        <p:blipFill>
-          <a:blip r:embed="rId3">
-            <a:extLst>
-              <a:ext uri="{28A0092B-C50C-407E-A947-70E740481C1C}">
-                <a14:useLocalDpi xmlns:a14="http://schemas.microsoft.com/office/drawing/2010/main" val="0"/>
-              </a:ext>
-            </a:extLst>
-          </a:blip>
-          <a:stretch>
-            <a:fillRect/>
-          </a:stretch>
-        </p:blipFill>
-        <p:spPr>
-          <a:xfrm>
-            <a:off x="0" y="0"/>
-            <a:ext cx="11658600" cy="15087600"/>
-          </a:xfrm>
-          <a:prstGeom prst="rect">
-            <a:avLst/>
-          </a:prstGeom>
-        </p:spPr>
-      </p:pic>
+      <p:sp>
+        <p:nvSpPr>
+          <p:cNvPr id="2" name="Title 1"/>
+          <p:cNvSpPr>
+            <a:spLocks noGrp="1"/>
+          </p:cNvSpPr>
+          <p:nvPr>
+            <p:ph type="ctrTitle"/>
+          </p:nvPr>
+        </p:nvSpPr>
+        <p:spPr/>
+        <p:txBody>
+          <a:bodyPr/>
+          <a:lstStyle/>
+          <a:p>
+            <a:r>
+              <a:rPr lang="en-US" dirty="0" smtClean="0"/>
+              <a:t>HW 10.3.2</a:t>
+            </a:r>
+            <a:endParaRPr lang="en-US" dirty="0"/>
+          </a:p>
+        </p:txBody>
+      </p:sp>
+      <p:sp>
+        <p:nvSpPr>
+          <p:cNvPr id="3" name="Subtitle 2"/>
+          <p:cNvSpPr>
+            <a:spLocks noGrp="1"/>
+          </p:cNvSpPr>
+          <p:nvPr>
+            <p:ph type="subTitle" idx="1"/>
+          </p:nvPr>
+        </p:nvSpPr>
+        <p:spPr/>
+        <p:txBody>
+          <a:bodyPr/>
+          <a:lstStyle/>
+          <a:p>
+            <a:endParaRPr lang="en-US"/>
+          </a:p>
+        </p:txBody>
+      </p:sp>
     </p:spTree>
     <p:extLst>
       <p:ext uri="{BB962C8B-B14F-4D97-AF65-F5344CB8AC3E}">
-        <p14:creationId xmlns:p14="http://schemas.microsoft.com/office/powerpoint/2010/main" val="1720663984"/>
+        <p14:creationId xmlns:p14="http://schemas.microsoft.com/office/powerpoint/2010/main" val="1746534575"/>
       </p:ext>
     </p:extLst>
   </p:cSld>
@@ -4808,10 +5420,160 @@
           </a:prstGeom>
         </p:spPr>
       </p:pic>
+      <p:cxnSp>
+        <p:nvCxnSpPr>
+          <p:cNvPr id="7" name="Straight Arrow Connector 6"/>
+          <p:cNvCxnSpPr/>
+          <p:nvPr/>
+        </p:nvCxnSpPr>
+        <p:spPr>
+          <a:xfrm flipH="1">
+            <a:off x="4940243" y="6994876"/>
+            <a:ext cx="5341587" cy="0"/>
+          </a:xfrm>
+          <a:prstGeom prst="straightConnector1">
+            <a:avLst/>
+          </a:prstGeom>
+          <a:ln w="101600">
+            <a:solidFill>
+              <a:srgbClr val="FF0000"/>
+            </a:solidFill>
+            <a:tailEnd type="triangle"/>
+          </a:ln>
+        </p:spPr>
+        <p:style>
+          <a:lnRef idx="1">
+            <a:schemeClr val="accent1"/>
+          </a:lnRef>
+          <a:fillRef idx="0">
+            <a:schemeClr val="accent1"/>
+          </a:fillRef>
+          <a:effectRef idx="0">
+            <a:schemeClr val="accent1"/>
+          </a:effectRef>
+          <a:fontRef idx="minor">
+            <a:schemeClr val="tx1"/>
+          </a:fontRef>
+        </p:style>
+      </p:cxnSp>
+      <p:cxnSp>
+        <p:nvCxnSpPr>
+          <p:cNvPr id="13" name="Straight Arrow Connector 12"/>
+          <p:cNvCxnSpPr/>
+          <p:nvPr/>
+        </p:nvCxnSpPr>
+        <p:spPr>
+          <a:xfrm flipH="1">
+            <a:off x="4940243" y="6994876"/>
+            <a:ext cx="889970" cy="0"/>
+          </a:xfrm>
+          <a:prstGeom prst="straightConnector1">
+            <a:avLst/>
+          </a:prstGeom>
+          <a:ln w="101600">
+            <a:solidFill>
+              <a:srgbClr val="000AFF"/>
+            </a:solidFill>
+            <a:tailEnd type="triangle"/>
+          </a:ln>
+        </p:spPr>
+        <p:style>
+          <a:lnRef idx="1">
+            <a:schemeClr val="accent1"/>
+          </a:lnRef>
+          <a:fillRef idx="0">
+            <a:schemeClr val="accent1"/>
+          </a:fillRef>
+          <a:effectRef idx="0">
+            <a:schemeClr val="accent1"/>
+          </a:effectRef>
+          <a:fontRef idx="minor">
+            <a:schemeClr val="tx1"/>
+          </a:fontRef>
+        </p:style>
+      </p:cxnSp>
+      <p:cxnSp>
+        <p:nvCxnSpPr>
+          <p:cNvPr id="18" name="Straight Arrow Connector 17"/>
+          <p:cNvCxnSpPr/>
+          <p:nvPr/>
+        </p:nvCxnSpPr>
+        <p:spPr>
+          <a:xfrm flipH="1">
+            <a:off x="1377893" y="13846526"/>
+            <a:ext cx="889970" cy="0"/>
+          </a:xfrm>
+          <a:prstGeom prst="straightConnector1">
+            <a:avLst/>
+          </a:prstGeom>
+          <a:ln w="101600">
+            <a:solidFill>
+              <a:srgbClr val="000AFF"/>
+            </a:solidFill>
+            <a:tailEnd type="triangle"/>
+          </a:ln>
+        </p:spPr>
+        <p:style>
+          <a:lnRef idx="1">
+            <a:schemeClr val="accent1"/>
+          </a:lnRef>
+          <a:fillRef idx="0">
+            <a:schemeClr val="accent1"/>
+          </a:fillRef>
+          <a:effectRef idx="0">
+            <a:schemeClr val="accent1"/>
+          </a:effectRef>
+          <a:fontRef idx="minor">
+            <a:schemeClr val="tx1"/>
+          </a:fontRef>
+        </p:style>
+      </p:cxnSp>
+      <p:sp>
+        <p:nvSpPr>
+          <p:cNvPr id="19" name="TextBox 18"/>
+          <p:cNvSpPr txBox="1"/>
+          <p:nvPr/>
+        </p:nvSpPr>
+        <p:spPr>
+          <a:xfrm>
+            <a:off x="381038" y="728869"/>
+            <a:ext cx="2588914" cy="1506374"/>
+          </a:xfrm>
+          <a:prstGeom prst="rect">
+            <a:avLst/>
+          </a:prstGeom>
+          <a:noFill/>
+        </p:spPr>
+        <p:txBody>
+          <a:bodyPr wrap="none" rtlCol="0">
+            <a:spAutoFit/>
+          </a:bodyPr>
+          <a:lstStyle/>
+          <a:p>
+            <a:r>
+              <a:rPr lang="en-US" dirty="0" smtClean="0"/>
+              <a:t>Red: r = 0.6667</a:t>
+            </a:r>
+          </a:p>
+          <a:p>
+            <a:r>
+              <a:rPr lang="en-US" dirty="0" smtClean="0"/>
+              <a:t>         x = 0</a:t>
+            </a:r>
+          </a:p>
+          <a:p>
+            <a:r>
+              <a:rPr lang="en-US" dirty="0" smtClean="0"/>
+              <a:t>Blue = -0.2</a:t>
+            </a:r>
+            <a:endParaRPr lang="en-US" dirty="0"/>
+          </a:p>
+        </p:txBody>
+      </p:sp>
     </p:spTree>
     <p:extLst>
       <p:ext uri="{BB962C8B-B14F-4D97-AF65-F5344CB8AC3E}">
-        <p14:creationId xmlns:p14="http://schemas.microsoft.com/office/powerpoint/2010/main" val="553036811"/>
+        <p14:creationId xmlns:p14="http://schemas.microsoft.com/office/powerpoint/2010/main" val="1593741344"/>
       </p:ext>
     </p:extLst>
   </p:cSld>
@@ -4868,10 +5630,124 @@
           </a:prstGeom>
         </p:spPr>
       </p:pic>
+      <p:cxnSp>
+        <p:nvCxnSpPr>
+          <p:cNvPr id="13" name="Straight Arrow Connector 12"/>
+          <p:cNvCxnSpPr/>
+          <p:nvPr/>
+        </p:nvCxnSpPr>
+        <p:spPr>
+          <a:xfrm rot="5400000" flipH="1">
+            <a:off x="5386083" y="6551392"/>
+            <a:ext cx="886968" cy="0"/>
+          </a:xfrm>
+          <a:prstGeom prst="straightConnector1">
+            <a:avLst/>
+          </a:prstGeom>
+          <a:ln w="101600">
+            <a:solidFill>
+              <a:srgbClr val="000AFF"/>
+            </a:solidFill>
+            <a:tailEnd type="triangle"/>
+          </a:ln>
+        </p:spPr>
+        <p:style>
+          <a:lnRef idx="1">
+            <a:schemeClr val="accent1"/>
+          </a:lnRef>
+          <a:fillRef idx="0">
+            <a:schemeClr val="accent1"/>
+          </a:fillRef>
+          <a:effectRef idx="0">
+            <a:schemeClr val="accent1"/>
+          </a:effectRef>
+          <a:fontRef idx="minor">
+            <a:schemeClr val="tx1"/>
+          </a:fontRef>
+        </p:style>
+      </p:cxnSp>
+      <p:cxnSp>
+        <p:nvCxnSpPr>
+          <p:cNvPr id="18" name="Straight Arrow Connector 17"/>
+          <p:cNvCxnSpPr/>
+          <p:nvPr/>
+        </p:nvCxnSpPr>
+        <p:spPr>
+          <a:xfrm flipH="1">
+            <a:off x="1377893" y="13846526"/>
+            <a:ext cx="889970" cy="0"/>
+          </a:xfrm>
+          <a:prstGeom prst="straightConnector1">
+            <a:avLst/>
+          </a:prstGeom>
+          <a:ln w="101600">
+            <a:solidFill>
+              <a:srgbClr val="000AFF"/>
+            </a:solidFill>
+            <a:tailEnd type="triangle"/>
+          </a:ln>
+        </p:spPr>
+        <p:style>
+          <a:lnRef idx="1">
+            <a:schemeClr val="accent1"/>
+          </a:lnRef>
+          <a:fillRef idx="0">
+            <a:schemeClr val="accent1"/>
+          </a:fillRef>
+          <a:effectRef idx="0">
+            <a:schemeClr val="accent1"/>
+          </a:effectRef>
+          <a:fontRef idx="minor">
+            <a:schemeClr val="tx1"/>
+          </a:fontRef>
+        </p:style>
+      </p:cxnSp>
+      <p:sp>
+        <p:nvSpPr>
+          <p:cNvPr id="19" name="TextBox 18"/>
+          <p:cNvSpPr txBox="1"/>
+          <p:nvPr/>
+        </p:nvSpPr>
+        <p:spPr>
+          <a:xfrm>
+            <a:off x="381038" y="728869"/>
+            <a:ext cx="2588914" cy="1506374"/>
+          </a:xfrm>
+          <a:prstGeom prst="rect">
+            <a:avLst/>
+          </a:prstGeom>
+          <a:noFill/>
+        </p:spPr>
+        <p:txBody>
+          <a:bodyPr wrap="none" rtlCol="0">
+            <a:spAutoFit/>
+          </a:bodyPr>
+          <a:lstStyle/>
+          <a:p>
+            <a:r>
+              <a:rPr lang="en-US" dirty="0" smtClean="0"/>
+              <a:t>Red: r = 0.6667</a:t>
+            </a:r>
+          </a:p>
+          <a:p>
+            <a:r>
+              <a:rPr lang="en-US" dirty="0" smtClean="0"/>
+              <a:t>         x = 0</a:t>
+            </a:r>
+          </a:p>
+          <a:p>
+            <a:r>
+              <a:rPr lang="en-US" dirty="0" smtClean="0"/>
+              <a:t>Blue = -0.2</a:t>
+            </a:r>
+            <a:endParaRPr lang="en-US" dirty="0"/>
+          </a:p>
+        </p:txBody>
+      </p:sp>
     </p:spTree>
     <p:extLst>
       <p:ext uri="{BB962C8B-B14F-4D97-AF65-F5344CB8AC3E}">
-        <p14:creationId xmlns:p14="http://schemas.microsoft.com/office/powerpoint/2010/main" val="1891267953"/>
+        <p14:creationId xmlns:p14="http://schemas.microsoft.com/office/powerpoint/2010/main" val="1965346898"/>
       </p:ext>
     </p:extLst>
   </p:cSld>

--- a/HW10_SmithCharts.pptx
+++ b/HW10_SmithCharts.pptx
@@ -117,6 +117,11 @@
       </a:defRPr>
     </a:lvl9pPr>
   </p:defaultTextStyle>
+  <p:extLst>
+    <p:ext uri="{EFAFB233-063F-42B5-8137-9DF3F51BA10A}">
+      <p15:sldGuideLst xmlns:p15="http://schemas.microsoft.com/office/powerpoint/2012/main"/>
+    </p:ext>
+  </p:extLst>
 </p:presentation>
 </file>
 
@@ -202,7 +207,7 @@
           <a:p>
             <a:fld id="{36C77205-9F18-4044-827C-DAADB09905E1}" type="datetimeFigureOut">
               <a:rPr lang="en-US" smtClean="0"/>
-              <a:t>11/30/20</a:t>
+              <a:t>12/1/20</a:t>
             </a:fld>
             <a:endParaRPr lang="en-US"/>
           </a:p>
@@ -1313,7 +1318,7 @@
           <a:p>
             <a:fld id="{B982F597-4F2B-1A44-B6F1-B39790DE35EA}" type="datetimeFigureOut">
               <a:rPr lang="en-US" smtClean="0"/>
-              <a:t>11/30/20</a:t>
+              <a:t>12/1/20</a:t>
             </a:fld>
             <a:endParaRPr lang="en-US"/>
           </a:p>
@@ -1478,7 +1483,7 @@
           <a:p>
             <a:fld id="{B982F597-4F2B-1A44-B6F1-B39790DE35EA}" type="datetimeFigureOut">
               <a:rPr lang="en-US" smtClean="0"/>
-              <a:t>11/30/20</a:t>
+              <a:t>12/1/20</a:t>
             </a:fld>
             <a:endParaRPr lang="en-US"/>
           </a:p>
@@ -1653,7 +1658,7 @@
           <a:p>
             <a:fld id="{B982F597-4F2B-1A44-B6F1-B39790DE35EA}" type="datetimeFigureOut">
               <a:rPr lang="en-US" smtClean="0"/>
-              <a:t>11/30/20</a:t>
+              <a:t>12/1/20</a:t>
             </a:fld>
             <a:endParaRPr lang="en-US"/>
           </a:p>
@@ -1818,7 +1823,7 @@
           <a:p>
             <a:fld id="{B982F597-4F2B-1A44-B6F1-B39790DE35EA}" type="datetimeFigureOut">
               <a:rPr lang="en-US" smtClean="0"/>
-              <a:t>11/30/20</a:t>
+              <a:t>12/1/20</a:t>
             </a:fld>
             <a:endParaRPr lang="en-US"/>
           </a:p>
@@ -2057,7 +2062,7 @@
           <a:p>
             <a:fld id="{B982F597-4F2B-1A44-B6F1-B39790DE35EA}" type="datetimeFigureOut">
               <a:rPr lang="en-US" smtClean="0"/>
-              <a:t>11/30/20</a:t>
+              <a:t>12/1/20</a:t>
             </a:fld>
             <a:endParaRPr lang="en-US"/>
           </a:p>
@@ -2284,7 +2289,7 @@
           <a:p>
             <a:fld id="{B982F597-4F2B-1A44-B6F1-B39790DE35EA}" type="datetimeFigureOut">
               <a:rPr lang="en-US" smtClean="0"/>
-              <a:t>11/30/20</a:t>
+              <a:t>12/1/20</a:t>
             </a:fld>
             <a:endParaRPr lang="en-US"/>
           </a:p>
@@ -2646,7 +2651,7 @@
           <a:p>
             <a:fld id="{B982F597-4F2B-1A44-B6F1-B39790DE35EA}" type="datetimeFigureOut">
               <a:rPr lang="en-US" smtClean="0"/>
-              <a:t>11/30/20</a:t>
+              <a:t>12/1/20</a:t>
             </a:fld>
             <a:endParaRPr lang="en-US"/>
           </a:p>
@@ -2759,7 +2764,7 @@
           <a:p>
             <a:fld id="{B982F597-4F2B-1A44-B6F1-B39790DE35EA}" type="datetimeFigureOut">
               <a:rPr lang="en-US" smtClean="0"/>
-              <a:t>11/30/20</a:t>
+              <a:t>12/1/20</a:t>
             </a:fld>
             <a:endParaRPr lang="en-US"/>
           </a:p>
@@ -2849,7 +2854,7 @@
           <a:p>
             <a:fld id="{B982F597-4F2B-1A44-B6F1-B39790DE35EA}" type="datetimeFigureOut">
               <a:rPr lang="en-US" smtClean="0"/>
-              <a:t>11/30/20</a:t>
+              <a:t>12/1/20</a:t>
             </a:fld>
             <a:endParaRPr lang="en-US"/>
           </a:p>
@@ -3121,7 +3126,7 @@
           <a:p>
             <a:fld id="{B982F597-4F2B-1A44-B6F1-B39790DE35EA}" type="datetimeFigureOut">
               <a:rPr lang="en-US" smtClean="0"/>
-              <a:t>11/30/20</a:t>
+              <a:t>12/1/20</a:t>
             </a:fld>
             <a:endParaRPr lang="en-US"/>
           </a:p>
@@ -3373,7 +3378,7 @@
           <a:p>
             <a:fld id="{B982F597-4F2B-1A44-B6F1-B39790DE35EA}" type="datetimeFigureOut">
               <a:rPr lang="en-US" smtClean="0"/>
-              <a:t>11/30/20</a:t>
+              <a:t>12/1/20</a:t>
             </a:fld>
             <a:endParaRPr lang="en-US"/>
           </a:p>
@@ -3581,7 +3586,7 @@
           <a:p>
             <a:fld id="{B982F597-4F2B-1A44-B6F1-B39790DE35EA}" type="datetimeFigureOut">
               <a:rPr lang="en-US" smtClean="0"/>
-              <a:t>11/30/20</a:t>
+              <a:t>12/1/20</a:t>
             </a:fld>
             <a:endParaRPr lang="en-US"/>
           </a:p>
@@ -4088,48 +4093,167 @@
           </a:prstGeom>
         </p:spPr>
       </p:pic>
-      <p:sp>
-        <p:nvSpPr>
-          <p:cNvPr id="19" name="TextBox 18"/>
-          <p:cNvSpPr txBox="1"/>
-          <p:nvPr/>
-        </p:nvSpPr>
-        <p:spPr>
-          <a:xfrm>
-            <a:off x="381038" y="728869"/>
-            <a:ext cx="2588914" cy="1506374"/>
-          </a:xfrm>
-          <a:prstGeom prst="rect">
-            <a:avLst/>
-          </a:prstGeom>
-          <a:noFill/>
-        </p:spPr>
-        <p:txBody>
-          <a:bodyPr wrap="none" rtlCol="0">
-            <a:spAutoFit/>
-          </a:bodyPr>
-          <a:lstStyle/>
-          <a:p>
-            <a:r>
-              <a:rPr lang="en-US" dirty="0" smtClean="0"/>
-              <a:t>Red: r = 0.6667</a:t>
-            </a:r>
-          </a:p>
-          <a:p>
-            <a:r>
-              <a:rPr lang="en-US" dirty="0" smtClean="0"/>
-              <a:t>         x = 0</a:t>
-            </a:r>
-          </a:p>
-          <a:p>
-            <a:r>
-              <a:rPr lang="en-US" dirty="0" smtClean="0"/>
-              <a:t>Blue = -0.2</a:t>
-            </a:r>
-            <a:endParaRPr lang="en-US" dirty="0"/>
-          </a:p>
-        </p:txBody>
-      </p:sp>
+      <mc:AlternateContent xmlns:mc="http://schemas.openxmlformats.org/markup-compatibility/2006">
+        <mc:Choice xmlns:a14="http://schemas.microsoft.com/office/drawing/2010/main" Requires="a14">
+          <p:sp>
+            <p:nvSpPr>
+              <p:cNvPr id="19" name="TextBox 18"/>
+              <p:cNvSpPr txBox="1"/>
+              <p:nvPr/>
+            </p:nvSpPr>
+            <p:spPr>
+              <a:xfrm>
+                <a:off x="381038" y="728869"/>
+                <a:ext cx="3825406" cy="1565365"/>
+              </a:xfrm>
+              <a:prstGeom prst="rect">
+                <a:avLst/>
+              </a:prstGeom>
+              <a:noFill/>
+            </p:spPr>
+            <p:txBody>
+              <a:bodyPr wrap="none" rtlCol="0">
+                <a:spAutoFit/>
+              </a:bodyPr>
+              <a:lstStyle/>
+              <a:p>
+                <a:r>
+                  <a:rPr lang="en-US" dirty="0" smtClean="0"/>
+                  <a:t>Red: r = 0.462</a:t>
+                </a:r>
+                <a:endParaRPr lang="en-US" dirty="0" smtClean="0"/>
+              </a:p>
+              <a:p>
+                <a:r>
+                  <a:rPr lang="en-US" dirty="0" smtClean="0"/>
+                  <a:t>         x = </a:t>
+                </a:r>
+                <a:r>
+                  <a:rPr lang="en-US" dirty="0" smtClean="0"/>
+                  <a:t>0.192</a:t>
+                </a:r>
+                <a:endParaRPr lang="en-US" dirty="0" smtClean="0"/>
+              </a:p>
+              <a:p>
+                <a:r>
+                  <a:rPr lang="en-US" dirty="0" smtClean="0"/>
+                  <a:t>Blue = </a:t>
+                </a:r>
+                <a:r>
+                  <a:rPr lang="en-US" dirty="0" smtClean="0"/>
+                  <a:t>0.39 </a:t>
+                </a:r>
+                <a14:m>
+                  <m:oMath xmlns:m="http://schemas.openxmlformats.org/officeDocument/2006/math">
+                    <m:sSup>
+                      <m:sSupPr>
+                        <m:ctrlPr>
+                          <a:rPr lang="en-US" b="0" i="1" smtClean="0">
+                            <a:latin typeface="Cambria Math" charset="0"/>
+                          </a:rPr>
+                        </m:ctrlPr>
+                      </m:sSupPr>
+                      <m:e>
+                        <m:r>
+                          <a:rPr lang="en-US" b="0" i="1" smtClean="0">
+                            <a:latin typeface="Cambria Math" charset="0"/>
+                          </a:rPr>
+                          <m:t>𝑒</m:t>
+                        </m:r>
+                      </m:e>
+                      <m:sup>
+                        <m:r>
+                          <a:rPr lang="en-US" b="0" i="1" smtClean="0">
+                            <a:latin typeface="Cambria Math" charset="0"/>
+                          </a:rPr>
+                          <m:t>𝑗</m:t>
+                        </m:r>
+                        <m:r>
+                          <a:rPr lang="en-US" b="0" i="1" smtClean="0">
+                            <a:latin typeface="Cambria Math" charset="0"/>
+                          </a:rPr>
+                          <m:t> </m:t>
+                        </m:r>
+                        <m:f>
+                          <m:fPr>
+                            <m:type m:val="skw"/>
+                            <m:ctrlPr>
+                              <a:rPr lang="en-US" b="0" i="1" smtClean="0">
+                                <a:latin typeface="Cambria Math" charset="0"/>
+                              </a:rPr>
+                            </m:ctrlPr>
+                          </m:fPr>
+                          <m:num>
+                            <m:r>
+                              <a:rPr lang="en-US" b="0" i="1" smtClean="0">
+                                <a:latin typeface="Cambria Math" charset="0"/>
+                              </a:rPr>
+                              <m:t>153 </m:t>
+                            </m:r>
+                            <m:r>
+                              <a:rPr lang="en-US" b="0" i="1" smtClean="0">
+                                <a:latin typeface="Cambria Math" charset="0"/>
+                              </a:rPr>
+                              <m:t>𝜋</m:t>
+                            </m:r>
+                          </m:num>
+                          <m:den>
+                            <m:r>
+                              <a:rPr lang="en-US" b="0" i="1" smtClean="0">
+                                <a:latin typeface="Cambria Math" charset="0"/>
+                              </a:rPr>
+                              <m:t>180 </m:t>
+                            </m:r>
+                          </m:den>
+                        </m:f>
+                      </m:sup>
+                    </m:sSup>
+                  </m:oMath>
+                </a14:m>
+                <a:endParaRPr lang="en-US" dirty="0"/>
+              </a:p>
+            </p:txBody>
+          </p:sp>
+        </mc:Choice>
+        <mc:Fallback>
+          <p:sp>
+            <p:nvSpPr>
+              <p:cNvPr id="19" name="TextBox 18"/>
+              <p:cNvSpPr txBox="1">
+                <a:spLocks noRot="1" noChangeAspect="1" noMove="1" noResize="1" noEditPoints="1" noAdjustHandles="1" noChangeArrowheads="1" noChangeShapeType="1" noTextEdit="1"/>
+              </p:cNvSpPr>
+              <p:nvPr/>
+            </p:nvSpPr>
+            <p:spPr>
+              <a:xfrm>
+                <a:off x="381038" y="728869"/>
+                <a:ext cx="3825406" cy="1565365"/>
+              </a:xfrm>
+              <a:prstGeom prst="rect">
+                <a:avLst/>
+              </a:prstGeom>
+              <a:blipFill rotWithShape="0">
+                <a:blip r:embed="rId4"/>
+                <a:stretch>
+                  <a:fillRect l="-3828" t="-5078" b="-11719"/>
+                </a:stretch>
+              </a:blipFill>
+            </p:spPr>
+            <p:txBody>
+              <a:bodyPr/>
+              <a:lstStyle/>
+              <a:p>
+                <a:r>
+                  <a:rPr lang="en-US">
+                    <a:noFill/>
+                  </a:rPr>
+                  <a:t> </a:t>
+                </a:r>
+              </a:p>
+            </p:txBody>
+          </p:sp>
+        </mc:Fallback>
+      </mc:AlternateContent>
       <p:cxnSp>
         <p:nvCxnSpPr>
           <p:cNvPr id="15" name="Straight Arrow Connector 14"/>
@@ -4298,48 +4422,180 @@
           </a:prstGeom>
         </p:spPr>
       </p:pic>
-      <p:sp>
-        <p:nvSpPr>
-          <p:cNvPr id="19" name="TextBox 18"/>
-          <p:cNvSpPr txBox="1"/>
-          <p:nvPr/>
-        </p:nvSpPr>
-        <p:spPr>
-          <a:xfrm>
-            <a:off x="381038" y="728869"/>
-            <a:ext cx="2588914" cy="1506374"/>
-          </a:xfrm>
-          <a:prstGeom prst="rect">
-            <a:avLst/>
-          </a:prstGeom>
-          <a:noFill/>
-        </p:spPr>
-        <p:txBody>
-          <a:bodyPr wrap="none" rtlCol="0">
-            <a:spAutoFit/>
-          </a:bodyPr>
-          <a:lstStyle/>
-          <a:p>
-            <a:r>
-              <a:rPr lang="en-US" dirty="0" smtClean="0"/>
-              <a:t>Red: r = 0.6667</a:t>
-            </a:r>
-          </a:p>
-          <a:p>
-            <a:r>
-              <a:rPr lang="en-US" dirty="0" smtClean="0"/>
-              <a:t>         x = 0</a:t>
-            </a:r>
-          </a:p>
-          <a:p>
-            <a:r>
-              <a:rPr lang="en-US" dirty="0" smtClean="0"/>
-              <a:t>Blue = -0.2</a:t>
-            </a:r>
-            <a:endParaRPr lang="en-US" dirty="0"/>
-          </a:p>
-        </p:txBody>
-      </p:sp>
+      <mc:AlternateContent xmlns:mc="http://schemas.openxmlformats.org/markup-compatibility/2006">
+        <mc:Choice xmlns:a14="http://schemas.microsoft.com/office/drawing/2010/main" Requires="a14">
+          <p:sp>
+            <p:nvSpPr>
+              <p:cNvPr id="19" name="TextBox 18"/>
+              <p:cNvSpPr txBox="1"/>
+              <p:nvPr/>
+            </p:nvSpPr>
+            <p:spPr>
+              <a:xfrm>
+                <a:off x="381038" y="728869"/>
+                <a:ext cx="3738844" cy="1559914"/>
+              </a:xfrm>
+              <a:prstGeom prst="rect">
+                <a:avLst/>
+              </a:prstGeom>
+              <a:noFill/>
+            </p:spPr>
+            <p:txBody>
+              <a:bodyPr wrap="none" rtlCol="0">
+                <a:spAutoFit/>
+              </a:bodyPr>
+              <a:lstStyle/>
+              <a:p>
+                <a:r>
+                  <a:rPr lang="en-US" dirty="0" smtClean="0"/>
+                  <a:t>Red: r = 1.855</a:t>
+                </a:r>
+              </a:p>
+              <a:p>
+                <a:r>
+                  <a:rPr lang="en-US" dirty="0" smtClean="0"/>
+                  <a:t>         x </a:t>
+                </a:r>
+                <a:r>
+                  <a:rPr lang="en-US" smtClean="0"/>
+                  <a:t>= </a:t>
+                </a:r>
+                <a:r>
+                  <a:rPr lang="en-US" smtClean="0"/>
+                  <a:t>-0.775</a:t>
+                </a:r>
+                <a:endParaRPr lang="en-US" dirty="0" smtClean="0"/>
+              </a:p>
+              <a:p>
+                <a:r>
+                  <a:rPr lang="en-US" dirty="0" smtClean="0"/>
+                  <a:t>Blue </a:t>
+                </a:r>
+                <a:r>
+                  <a:rPr lang="en-US" dirty="0" smtClean="0"/>
+                  <a:t>= </a:t>
+                </a:r>
+                <a:r>
+                  <a:rPr lang="en-US" dirty="0"/>
+                  <a:t>0.39 </a:t>
+                </a:r>
+                <a14:m>
+                  <m:oMath xmlns:m="http://schemas.openxmlformats.org/officeDocument/2006/math">
+                    <m:sSup>
+                      <m:sSupPr>
+                        <m:ctrlPr>
+                          <a:rPr lang="en-US" i="1">
+                            <a:latin typeface="Cambria Math" charset="0"/>
+                          </a:rPr>
+                        </m:ctrlPr>
+                      </m:sSupPr>
+                      <m:e>
+                        <m:r>
+                          <a:rPr lang="en-US" i="1">
+                            <a:latin typeface="Cambria Math" charset="0"/>
+                          </a:rPr>
+                          <m:t>𝑒</m:t>
+                        </m:r>
+                      </m:e>
+                      <m:sup>
+                        <m:r>
+                          <a:rPr lang="en-US" i="1">
+                            <a:latin typeface="Cambria Math" charset="0"/>
+                          </a:rPr>
+                          <m:t>𝑗</m:t>
+                        </m:r>
+                        <m:r>
+                          <a:rPr lang="en-US" i="1">
+                            <a:latin typeface="Cambria Math" charset="0"/>
+                          </a:rPr>
+                          <m:t> </m:t>
+                        </m:r>
+                        <m:f>
+                          <m:fPr>
+                            <m:type m:val="skw"/>
+                            <m:ctrlPr>
+                              <a:rPr lang="en-US" i="1">
+                                <a:latin typeface="Cambria Math" charset="0"/>
+                              </a:rPr>
+                            </m:ctrlPr>
+                          </m:fPr>
+                          <m:num>
+                            <m:r>
+                              <a:rPr lang="en-US" b="0" i="1" smtClean="0">
+                                <a:latin typeface="Cambria Math" charset="0"/>
+                              </a:rPr>
+                              <m:t>−27</m:t>
+                            </m:r>
+                            <m:r>
+                              <a:rPr lang="en-US" i="1">
+                                <a:latin typeface="Cambria Math" charset="0"/>
+                              </a:rPr>
+                              <m:t> </m:t>
+                            </m:r>
+                            <m:r>
+                              <a:rPr lang="en-US" i="1">
+                                <a:latin typeface="Cambria Math" charset="0"/>
+                              </a:rPr>
+                              <m:t>𝜋</m:t>
+                            </m:r>
+                          </m:num>
+                          <m:den>
+                            <m:r>
+                              <a:rPr lang="en-US" i="1">
+                                <a:latin typeface="Cambria Math" charset="0"/>
+                              </a:rPr>
+                              <m:t>180 </m:t>
+                            </m:r>
+                          </m:den>
+                        </m:f>
+                      </m:sup>
+                    </m:sSup>
+                  </m:oMath>
+                </a14:m>
+                <a:endParaRPr lang="en-US" dirty="0"/>
+              </a:p>
+            </p:txBody>
+          </p:sp>
+        </mc:Choice>
+        <mc:Fallback>
+          <p:sp>
+            <p:nvSpPr>
+              <p:cNvPr id="19" name="TextBox 18"/>
+              <p:cNvSpPr txBox="1">
+                <a:spLocks noRot="1" noChangeAspect="1" noMove="1" noResize="1" noEditPoints="1" noAdjustHandles="1" noChangeArrowheads="1" noChangeShapeType="1" noTextEdit="1"/>
+              </p:cNvSpPr>
+              <p:nvPr/>
+            </p:nvSpPr>
+            <p:spPr>
+              <a:xfrm>
+                <a:off x="381038" y="728869"/>
+                <a:ext cx="3738844" cy="1559914"/>
+              </a:xfrm>
+              <a:prstGeom prst="rect">
+                <a:avLst/>
+              </a:prstGeom>
+              <a:blipFill rotWithShape="0">
+                <a:blip r:embed="rId4"/>
+                <a:stretch>
+                  <a:fillRect l="-3915" t="-5098" b="-11765"/>
+                </a:stretch>
+              </a:blipFill>
+            </p:spPr>
+            <p:txBody>
+              <a:bodyPr/>
+              <a:lstStyle/>
+              <a:p>
+                <a:r>
+                  <a:rPr lang="en-US">
+                    <a:noFill/>
+                  </a:rPr>
+                  <a:t> </a:t>
+                </a:r>
+              </a:p>
+            </p:txBody>
+          </p:sp>
+        </mc:Fallback>
+      </mc:AlternateContent>
       <p:cxnSp>
         <p:nvCxnSpPr>
           <p:cNvPr id="15" name="Straight Arrow Connector 14"/>
@@ -5711,7 +5967,7 @@
         <p:spPr>
           <a:xfrm>
             <a:off x="381038" y="728869"/>
-            <a:ext cx="2588914" cy="1506374"/>
+            <a:ext cx="2414444" cy="1506374"/>
           </a:xfrm>
           <a:prstGeom prst="rect">
             <a:avLst/>
@@ -5726,24 +5982,74 @@
           <a:p>
             <a:r>
               <a:rPr lang="en-US" dirty="0" smtClean="0"/>
-              <a:t>Red: r = 0.6667</a:t>
-            </a:r>
-          </a:p>
-          <a:p>
+              <a:t>Red: r = </a:t>
+            </a:r>
             <a:r>
               <a:rPr lang="en-US" dirty="0" smtClean="0"/>
-              <a:t>         x = 0</a:t>
-            </a:r>
+              <a:t>0.923</a:t>
+            </a:r>
+            <a:endParaRPr lang="en-US" dirty="0" smtClean="0"/>
           </a:p>
           <a:p>
             <a:r>
               <a:rPr lang="en-US" dirty="0" smtClean="0"/>
-              <a:t>Blue = -0.2</a:t>
+              <a:t>         x = </a:t>
+            </a:r>
+            <a:r>
+              <a:rPr lang="en-US" dirty="0" smtClean="0"/>
+              <a:t>0.385</a:t>
+            </a:r>
+            <a:endParaRPr lang="en-US" dirty="0" smtClean="0"/>
+          </a:p>
+          <a:p>
+            <a:r>
+              <a:rPr lang="en-US" dirty="0" smtClean="0"/>
+              <a:t>Blue = </a:t>
+            </a:r>
+            <a:r>
+              <a:rPr lang="en-US" dirty="0" smtClean="0"/>
+              <a:t>0.2j</a:t>
             </a:r>
             <a:endParaRPr lang="en-US" dirty="0"/>
           </a:p>
         </p:txBody>
       </p:sp>
+      <p:cxnSp>
+        <p:nvCxnSpPr>
+          <p:cNvPr id="6" name="Straight Arrow Connector 5"/>
+          <p:cNvCxnSpPr/>
+          <p:nvPr/>
+        </p:nvCxnSpPr>
+        <p:spPr>
+          <a:xfrm flipH="1" flipV="1">
+            <a:off x="5829567" y="6107908"/>
+            <a:ext cx="4452264" cy="886968"/>
+          </a:xfrm>
+          <a:prstGeom prst="straightConnector1">
+            <a:avLst/>
+          </a:prstGeom>
+          <a:ln w="101600">
+            <a:solidFill>
+              <a:srgbClr val="FF0000"/>
+            </a:solidFill>
+            <a:tailEnd type="triangle"/>
+          </a:ln>
+        </p:spPr>
+        <p:style>
+          <a:lnRef idx="1">
+            <a:schemeClr val="accent1"/>
+          </a:lnRef>
+          <a:fillRef idx="0">
+            <a:schemeClr val="accent1"/>
+          </a:fillRef>
+          <a:effectRef idx="0">
+            <a:schemeClr val="accent1"/>
+          </a:effectRef>
+          <a:fontRef idx="minor">
+            <a:schemeClr val="tx1"/>
+          </a:fontRef>
+        </p:style>
+      </p:cxnSp>
     </p:spTree>
     <p:extLst>
       <p:ext uri="{BB962C8B-B14F-4D97-AF65-F5344CB8AC3E}">
